--- a/课程培训/GIT  版本控制.pptx
+++ b/课程培训/GIT  版本控制.pptx
@@ -231,7 +231,7 @@
                 <a:latin typeface="微软雅黑" panose="020B0503020204020204" pitchFamily="34" charset="-122"/>
                 <a:ea typeface="微软雅黑" panose="020B0503020204020204" pitchFamily="34" charset="-122"/>
               </a:rPr>
-              <a:t>2019年5月11日</a:t>
+              <a:t>2019年5月13日</a:t>
             </a:fld>
             <a:endParaRPr dirty="0">
               <a:latin typeface="微软雅黑" panose="020B0503020204020204" pitchFamily="34" charset="-122"/>
@@ -418,7 +418,7 @@
             <a:fld id="{DFA76008-2C1D-4D24-8C55-C1A111CE3C9E}" type="datetime2">
               <a:rPr lang="zh-CN" altLang="en-US" smtClean="0"/>
               <a:pPr/>
-              <a:t>2019年5月11日</a:t>
+              <a:t>2019年5月13日</a:t>
             </a:fld>
             <a:endParaRPr lang="zh-CN" altLang="en-US" dirty="0"/>
           </a:p>
@@ -1192,7 +1192,7 @@
             <a:pPr rtl="0"/>
             <a:fld id="{A41BFB95-0BAE-4636-B2C2-74C776BEA3FD}" type="datetime2">
               <a:rPr lang="zh-CN" altLang="en-US" smtClean="0"/>
-              <a:t>2019年5月11日</a:t>
+              <a:t>2019年5月13日</a:t>
             </a:fld>
             <a:endParaRPr dirty="0"/>
           </a:p>
@@ -1382,7 +1382,7 @@
             <a:pPr rtl="0"/>
             <a:fld id="{4B33DACD-BE04-4898-BB64-401C0E7F6E68}" type="datetime2">
               <a:rPr lang="zh-CN" altLang="en-US" smtClean="0"/>
-              <a:t>2019年5月11日</a:t>
+              <a:t>2019年5月13日</a:t>
             </a:fld>
             <a:endParaRPr dirty="0"/>
           </a:p>
@@ -1582,7 +1582,7 @@
             <a:pPr rtl="0"/>
             <a:fld id="{6AB14BB1-C2EF-4EC5-BD9D-426A24C7202E}" type="datetime2">
               <a:rPr lang="zh-CN" altLang="en-US" smtClean="0"/>
-              <a:t>2019年5月11日</a:t>
+              <a:t>2019年5月13日</a:t>
             </a:fld>
             <a:endParaRPr dirty="0"/>
           </a:p>
@@ -1772,7 +1772,7 @@
             <a:pPr rtl="0"/>
             <a:fld id="{96D8BDC3-2174-430E-B891-3599484079E9}" type="datetime2">
               <a:rPr lang="zh-CN" altLang="en-US" smtClean="0"/>
-              <a:t>2019年5月11日</a:t>
+              <a:t>2019年5月13日</a:t>
             </a:fld>
             <a:endParaRPr dirty="0"/>
           </a:p>
@@ -2060,7 +2060,7 @@
             <a:pPr rtl="0"/>
             <a:fld id="{7B5874DC-5433-47C5-9A0F-5E6EBAFB226F}" type="datetime2">
               <a:rPr lang="zh-CN" altLang="en-US" smtClean="0"/>
-              <a:t>2019年5月11日</a:t>
+              <a:t>2019年5月13日</a:t>
             </a:fld>
             <a:endParaRPr dirty="0"/>
           </a:p>
@@ -2372,7 +2372,7 @@
             <a:pPr rtl="0"/>
             <a:fld id="{88F186F9-F66F-4FAD-BE54-576F9D0A6565}" type="datetime2">
               <a:rPr lang="zh-CN" altLang="en-US" smtClean="0"/>
-              <a:t>2019年5月11日</a:t>
+              <a:t>2019年5月13日</a:t>
             </a:fld>
             <a:endParaRPr dirty="0"/>
           </a:p>
@@ -2828,7 +2828,7 @@
             <a:pPr rtl="0"/>
             <a:fld id="{CABA2B92-2DD9-48FB-AD38-658B9267E326}" type="datetime2">
               <a:rPr lang="zh-CN" altLang="en-US" smtClean="0"/>
-              <a:t>2019年5月11日</a:t>
+              <a:t>2019年5月13日</a:t>
             </a:fld>
             <a:endParaRPr dirty="0"/>
           </a:p>
@@ -2966,7 +2966,7 @@
             <a:pPr rtl="0"/>
             <a:fld id="{89589F66-5326-4300-9C87-424B78257E87}" type="datetime2">
               <a:rPr lang="zh-CN" altLang="en-US" smtClean="0"/>
-              <a:t>2019年5月11日</a:t>
+              <a:t>2019年5月13日</a:t>
             </a:fld>
             <a:endParaRPr dirty="0"/>
           </a:p>
@@ -3094,7 +3094,7 @@
             <a:pPr rtl="0"/>
             <a:fld id="{630E3B35-3F9B-4891-91F7-7B098225DB62}" type="datetime2">
               <a:rPr lang="zh-CN" altLang="en-US" smtClean="0"/>
-              <a:t>2019年5月11日</a:t>
+              <a:t>2019年5月13日</a:t>
             </a:fld>
             <a:endParaRPr dirty="0"/>
           </a:p>
@@ -3424,7 +3424,7 @@
             <a:pPr rtl="0"/>
             <a:fld id="{901456FF-A013-4A58-A3FB-D6CF3F9212A9}" type="datetime2">
               <a:rPr lang="zh-CN" altLang="en-US" smtClean="0"/>
-              <a:t>2019年5月11日</a:t>
+              <a:t>2019年5月13日</a:t>
             </a:fld>
             <a:endParaRPr dirty="0"/>
           </a:p>
@@ -3927,7 +3927,7 @@
             <a:fld id="{9D3EF281-A4C8-49FF-956A-745E52032641}" type="datetime2">
               <a:rPr lang="zh-CN" altLang="en-US" smtClean="0"/>
               <a:pPr/>
-              <a:t>2019年5月11日</a:t>
+              <a:t>2019年5月13日</a:t>
             </a:fld>
             <a:endParaRPr lang="en-US" dirty="0"/>
           </a:p>
@@ -8556,17 +8556,6 @@
 </file>
 
 <file path=customXml/item2.xml><?xml version="1.0" encoding="utf-8"?>
-<p:properties xmlns:p="http://schemas.microsoft.com/office/2006/metadata/properties" xmlns:xsi="http://www.w3.org/2001/XMLSchema-instance" xmlns:pc="http://schemas.microsoft.com/office/infopath/2007/PartnerControls">
-  <documentManagement>
-    <VSO_x0020_item_x0020_id xmlns="40262f94-9f35-4ac3-9a90-690165a166b7" xsi:nil="true"/>
-    <Assetid_x0020_ xmlns="40262f94-9f35-4ac3-9a90-690165a166b7" xsi:nil="true"/>
-    <Item_x0020_Details xmlns="40262f94-9f35-4ac3-9a90-690165a166b7" xsi:nil="true"/>
-    <Template_x0020_details xmlns="40262f94-9f35-4ac3-9a90-690165a166b7" xsi:nil="true"/>
-  </documentManagement>
-</p:properties>
-</file>
-
-<file path=customXml/item3.xml><?xml version="1.0" encoding="utf-8"?>
 <ct:contentTypeSchema xmlns:ct="http://schemas.microsoft.com/office/2006/metadata/contentType" xmlns:ma="http://schemas.microsoft.com/office/2006/metadata/properties/metaAttributes" ct:_="" ma:_="" ma:contentTypeName="Document" ma:contentTypeID="0x010100AA3F7D94069FF64A86F7DFF56D60E3BE" ma:contentTypeVersion="6" ma:contentTypeDescription="Create a new document." ma:contentTypeScope="" ma:versionID="c32302c77d4085ecf495bdddb7f5e889">
   <xsd:schema xmlns:xsd="http://www.w3.org/2001/XMLSchema" xmlns:xs="http://www.w3.org/2001/XMLSchema" xmlns:p="http://schemas.microsoft.com/office/2006/metadata/properties" xmlns:ns2="a4f35948-e619-41b3-aa29-22878b09cfd2" xmlns:ns3="40262f94-9f35-4ac3-9a90-690165a166b7" targetNamespace="http://schemas.microsoft.com/office/2006/metadata/properties" ma:root="true" ma:fieldsID="4ab5ae46be95f9d0be6107e8200be7a2" ns2:_="" ns3:_="">
     <xsd:import namespace="a4f35948-e619-41b3-aa29-22878b09cfd2"/>
@@ -8747,6 +8736,17 @@
 </ct:contentTypeSchema>
 </file>
 
+<file path=customXml/item3.xml><?xml version="1.0" encoding="utf-8"?>
+<p:properties xmlns:p="http://schemas.microsoft.com/office/2006/metadata/properties" xmlns:xsi="http://www.w3.org/2001/XMLSchema-instance" xmlns:pc="http://schemas.microsoft.com/office/infopath/2007/PartnerControls">
+  <documentManagement>
+    <VSO_x0020_item_x0020_id xmlns="40262f94-9f35-4ac3-9a90-690165a166b7" xsi:nil="true"/>
+    <Assetid_x0020_ xmlns="40262f94-9f35-4ac3-9a90-690165a166b7" xsi:nil="true"/>
+    <Item_x0020_Details xmlns="40262f94-9f35-4ac3-9a90-690165a166b7" xsi:nil="true"/>
+    <Template_x0020_details xmlns="40262f94-9f35-4ac3-9a90-690165a166b7" xsi:nil="true"/>
+  </documentManagement>
+</p:properties>
+</file>
+
 <file path=customXml/itemProps1.xml><?xml version="1.0" encoding="utf-8"?>
 <ds:datastoreItem xmlns:ds="http://schemas.openxmlformats.org/officeDocument/2006/customXml" ds:itemID="{02F2BE50-DDB3-465B-A26E-975A276D4362}">
   <ds:schemaRefs>
@@ -8756,23 +8756,6 @@
 </file>
 
 <file path=customXml/itemProps2.xml><?xml version="1.0" encoding="utf-8"?>
-<ds:datastoreItem xmlns:ds="http://schemas.openxmlformats.org/officeDocument/2006/customXml" ds:itemID="{99220E13-D325-4A9E-AA7A-0D1409275EB9}">
-  <ds:schemaRefs>
-    <ds:schemaRef ds:uri="http://schemas.microsoft.com/office/2006/documentManagement/types"/>
-    <ds:schemaRef ds:uri="a4f35948-e619-41b3-aa29-22878b09cfd2"/>
-    <ds:schemaRef ds:uri="http://schemas.microsoft.com/office/infopath/2007/PartnerControls"/>
-    <ds:schemaRef ds:uri="http://purl.org/dc/elements/1.1/"/>
-    <ds:schemaRef ds:uri="http://schemas.microsoft.com/office/2006/metadata/properties"/>
-    <ds:schemaRef ds:uri="http://purl.org/dc/terms/"/>
-    <ds:schemaRef ds:uri="http://schemas.openxmlformats.org/package/2006/metadata/core-properties"/>
-    <ds:schemaRef ds:uri="40262f94-9f35-4ac3-9a90-690165a166b7"/>
-    <ds:schemaRef ds:uri="http://www.w3.org/XML/1998/namespace"/>
-    <ds:schemaRef ds:uri="http://purl.org/dc/dcmitype/"/>
-  </ds:schemaRefs>
-</ds:datastoreItem>
-</file>
-
-<file path=customXml/itemProps3.xml><?xml version="1.0" encoding="utf-8"?>
 <ds:datastoreItem xmlns:ds="http://schemas.openxmlformats.org/officeDocument/2006/customXml" ds:itemID="{7C80FAF7-F941-4D3E-A3C3-283A61107933}">
   <ds:schemaRefs>
     <ds:schemaRef ds:uri="http://schemas.microsoft.com/office/2006/metadata/contentType"/>
@@ -8789,4 +8772,21 @@
     <ds:schemaRef ds:uri="http://schemas.microsoft.com/internal/obd"/>
   </ds:schemaRefs>
 </ds:datastoreItem>
+</file>
+
+<file path=customXml/itemProps3.xml><?xml version="1.0" encoding="utf-8"?>
+<ds:datastoreItem xmlns:ds="http://schemas.openxmlformats.org/officeDocument/2006/customXml" ds:itemID="{99220E13-D325-4A9E-AA7A-0D1409275EB9}">
+  <ds:schemaRefs>
+    <ds:schemaRef ds:uri="http://schemas.microsoft.com/office/2006/documentManagement/types"/>
+    <ds:schemaRef ds:uri="a4f35948-e619-41b3-aa29-22878b09cfd2"/>
+    <ds:schemaRef ds:uri="http://schemas.microsoft.com/office/infopath/2007/PartnerControls"/>
+    <ds:schemaRef ds:uri="http://purl.org/dc/elements/1.1/"/>
+    <ds:schemaRef ds:uri="http://schemas.microsoft.com/office/2006/metadata/properties"/>
+    <ds:schemaRef ds:uri="http://purl.org/dc/terms/"/>
+    <ds:schemaRef ds:uri="http://schemas.openxmlformats.org/package/2006/metadata/core-properties"/>
+    <ds:schemaRef ds:uri="40262f94-9f35-4ac3-9a90-690165a166b7"/>
+    <ds:schemaRef ds:uri="http://www.w3.org/XML/1998/namespace"/>
+    <ds:schemaRef ds:uri="http://purl.org/dc/dcmitype/"/>
+  </ds:schemaRefs>
+</ds:datastoreItem>
 </file>